--- a/lectures/04_Meas_Assoc_Agree/images/04_Meas_Assoc_Agree_tables.pptx
+++ b/lectures/04_Meas_Assoc_Agree/images/04_Meas_Assoc_Agree_tables.pptx
@@ -7,6 +7,8 @@
   <p:sldIdLst>
     <p:sldId id="256" r:id="rId2"/>
     <p:sldId id="257" r:id="rId3"/>
+    <p:sldId id="258" r:id="rId4"/>
+    <p:sldId id="259" r:id="rId5"/>
   </p:sldIdLst>
   <p:sldSz cx="12192000" cy="6858000"/>
   <p:notesSz cx="6858000" cy="9144000"/>
@@ -3888,6 +3890,1330 @@
 </p:sld>
 </file>
 
+<file path=ppt/slides/slide3.xml><?xml version="1.0" encoding="utf-8"?>
+<p:sld xmlns:a="http://schemas.openxmlformats.org/drawingml/2006/main" xmlns:r="http://schemas.openxmlformats.org/officeDocument/2006/relationships" xmlns:p="http://schemas.openxmlformats.org/presentationml/2006/main">
+  <p:cSld>
+    <p:spTree>
+      <p:nvGrpSpPr>
+        <p:cNvPr id="1" name=""/>
+        <p:cNvGrpSpPr/>
+        <p:nvPr/>
+      </p:nvGrpSpPr>
+      <p:grpSpPr>
+        <a:xfrm>
+          <a:off x="0" y="0"/>
+          <a:ext cx="0" cy="0"/>
+          <a:chOff x="0" y="0"/>
+          <a:chExt cx="0" cy="0"/>
+        </a:xfrm>
+      </p:grpSpPr>
+      <p:sp>
+        <p:nvSpPr>
+          <p:cNvPr id="2" name="Title 1">
+            <a:extLst>
+              <a:ext uri="{FF2B5EF4-FFF2-40B4-BE49-F238E27FC236}">
+                <a16:creationId xmlns:a16="http://schemas.microsoft.com/office/drawing/2014/main" id="{A8D3FC16-C89E-FB34-49F8-44168744B850}"/>
+              </a:ext>
+            </a:extLst>
+          </p:cNvPr>
+          <p:cNvSpPr>
+            <a:spLocks noGrp="1"/>
+          </p:cNvSpPr>
+          <p:nvPr>
+            <p:ph type="title"/>
+          </p:nvPr>
+        </p:nvSpPr>
+        <p:spPr/>
+        <p:txBody>
+          <a:bodyPr/>
+          <a:lstStyle/>
+          <a:p>
+            <a:endParaRPr lang="en-US"/>
+          </a:p>
+        </p:txBody>
+      </p:sp>
+      <p:sp>
+        <p:nvSpPr>
+          <p:cNvPr id="3" name="Content Placeholder 2">
+            <a:extLst>
+              <a:ext uri="{FF2B5EF4-FFF2-40B4-BE49-F238E27FC236}">
+                <a16:creationId xmlns:a16="http://schemas.microsoft.com/office/drawing/2014/main" id="{2635715F-5B87-52B9-67C7-E2AFDE76F1D8}"/>
+              </a:ext>
+            </a:extLst>
+          </p:cNvPr>
+          <p:cNvSpPr>
+            <a:spLocks noGrp="1"/>
+          </p:cNvSpPr>
+          <p:nvPr>
+            <p:ph idx="1"/>
+          </p:nvPr>
+        </p:nvSpPr>
+        <p:spPr/>
+        <p:txBody>
+          <a:bodyPr/>
+          <a:lstStyle/>
+          <a:p>
+            <a:endParaRPr lang="en-US" dirty="0"/>
+          </a:p>
+        </p:txBody>
+      </p:sp>
+      <mc:AlternateContent xmlns:mc="http://schemas.openxmlformats.org/markup-compatibility/2006">
+        <mc:Choice xmlns:a14="http://schemas.microsoft.com/office/drawing/2010/main" Requires="a14">
+          <p:graphicFrame>
+            <p:nvGraphicFramePr>
+              <p:cNvPr id="4" name="Table 8">
+                <a:extLst>
+                  <a:ext uri="{FF2B5EF4-FFF2-40B4-BE49-F238E27FC236}">
+                    <a16:creationId xmlns:a16="http://schemas.microsoft.com/office/drawing/2014/main" id="{7303942C-5767-370C-AEDA-CD8C2D61B912}"/>
+                  </a:ext>
+                </a:extLst>
+              </p:cNvPr>
+              <p:cNvGraphicFramePr>
+                <a:graphicFrameLocks noGrp="1"/>
+              </p:cNvGraphicFramePr>
+              <p:nvPr>
+                <p:extLst>
+                  <p:ext uri="{D42A27DB-BD31-4B8C-83A1-F6EECF244321}">
+                    <p14:modId xmlns:p14="http://schemas.microsoft.com/office/powerpoint/2010/main" val="1935463807"/>
+                  </p:ext>
+                </p:extLst>
+              </p:nvPr>
+            </p:nvGraphicFramePr>
+            <p:xfrm>
+              <a:off x="1143000" y="1027905"/>
+              <a:ext cx="7783287" cy="4067903"/>
+            </p:xfrm>
+            <a:graphic>
+              <a:graphicData uri="http://schemas.openxmlformats.org/drawingml/2006/table">
+                <a:tbl>
+                  <a:tblPr firstRow="1" bandRow="1">
+                    <a:tableStyleId>{5C22544A-7EE6-4342-B048-85BDC9FD1C3A}</a:tableStyleId>
+                  </a:tblPr>
+                  <a:tblGrid>
+                    <a:gridCol w="2122714">
+                      <a:extLst>
+                        <a:ext uri="{9D8B030D-6E8A-4147-A177-3AD203B41FA5}">
+                          <a16:colId xmlns:a16="http://schemas.microsoft.com/office/drawing/2014/main" val="3128744015"/>
+                        </a:ext>
+                      </a:extLst>
+                    </a:gridCol>
+                    <a:gridCol w="2209800">
+                      <a:extLst>
+                        <a:ext uri="{9D8B030D-6E8A-4147-A177-3AD203B41FA5}">
+                          <a16:colId xmlns:a16="http://schemas.microsoft.com/office/drawing/2014/main" val="3011678510"/>
+                        </a:ext>
+                      </a:extLst>
+                    </a:gridCol>
+                    <a:gridCol w="2002972">
+                      <a:extLst>
+                        <a:ext uri="{9D8B030D-6E8A-4147-A177-3AD203B41FA5}">
+                          <a16:colId xmlns:a16="http://schemas.microsoft.com/office/drawing/2014/main" val="4012779034"/>
+                        </a:ext>
+                      </a:extLst>
+                    </a:gridCol>
+                    <a:gridCol w="1447801">
+                      <a:extLst>
+                        <a:ext uri="{9D8B030D-6E8A-4147-A177-3AD203B41FA5}">
+                          <a16:colId xmlns:a16="http://schemas.microsoft.com/office/drawing/2014/main" val="1505141673"/>
+                        </a:ext>
+                      </a:extLst>
+                    </a:gridCol>
+                  </a:tblGrid>
+                  <a:tr h="750231">
+                    <a:tc rowSpan="2">
+                      <a:txBody>
+                        <a:bodyPr/>
+                        <a:lstStyle/>
+                        <a:p>
+                          <a:pPr algn="ctr"/>
+                          <a:r>
+                            <a:rPr lang="en-US" sz="2400" dirty="0"/>
+                            <a:t>Survey 1</a:t>
+                          </a:r>
+                        </a:p>
+                      </a:txBody>
+                      <a:tcPr anchor="ctr"/>
+                    </a:tc>
+                    <a:tc gridSpan="2">
+                      <a:txBody>
+                        <a:bodyPr/>
+                        <a:lstStyle/>
+                        <a:p>
+                          <a:pPr algn="ctr"/>
+                          <a:r>
+                            <a:rPr lang="en-US" sz="2400" dirty="0"/>
+                            <a:t>Survey 2</a:t>
+                          </a:r>
+                        </a:p>
+                      </a:txBody>
+                      <a:tcPr anchor="ctr"/>
+                    </a:tc>
+                    <a:tc hMerge="1">
+                      <a:txBody>
+                        <a:bodyPr/>
+                        <a:lstStyle/>
+                        <a:p>
+                          <a:endParaRPr lang="en-US" dirty="0"/>
+                        </a:p>
+                      </a:txBody>
+                      <a:tcPr/>
+                    </a:tc>
+                    <a:tc rowSpan="2">
+                      <a:txBody>
+                        <a:bodyPr/>
+                        <a:lstStyle/>
+                        <a:p>
+                          <a:pPr algn="ctr"/>
+                          <a:r>
+                            <a:rPr lang="en-US" sz="2400" dirty="0"/>
+                            <a:t>Total</a:t>
+                          </a:r>
+                        </a:p>
+                      </a:txBody>
+                      <a:tcPr anchor="ctr"/>
+                    </a:tc>
+                    <a:extLst>
+                      <a:ext uri="{0D108BD9-81ED-4DB2-BD59-A6C34878D82A}">
+                        <a16:rowId xmlns:a16="http://schemas.microsoft.com/office/drawing/2014/main" val="204679307"/>
+                      </a:ext>
+                    </a:extLst>
+                  </a:tr>
+                  <a:tr h="921521">
+                    <a:tc vMerge="1">
+                      <a:txBody>
+                        <a:bodyPr/>
+                        <a:lstStyle/>
+                        <a:p>
+                          <a:endParaRPr lang="en-US" dirty="0"/>
+                        </a:p>
+                      </a:txBody>
+                      <a:tcPr/>
+                    </a:tc>
+                    <a:tc>
+                      <a:txBody>
+                        <a:bodyPr/>
+                        <a:lstStyle/>
+                        <a:p>
+                          <a:pPr algn="ctr"/>
+                          <a14:m>
+                            <m:oMath xmlns:m="http://schemas.openxmlformats.org/officeDocument/2006/math">
+                              <m:r>
+                                <a:rPr lang="en-US" sz="2400" b="1" i="1" smtClean="0">
+                                  <a:latin typeface="Cambria Math" panose="02040503050406030204" pitchFamily="18" charset="0"/>
+                                </a:rPr>
+                                <m:t>≤</m:t>
+                              </m:r>
+                            </m:oMath>
+                          </a14:m>
+                          <a:r>
+                            <a:rPr lang="en-US" sz="2400" b="1" dirty="0"/>
+                            <a:t> 1 serving/week</a:t>
+                          </a:r>
+                        </a:p>
+                      </a:txBody>
+                      <a:tcPr/>
+                    </a:tc>
+                    <a:tc>
+                      <a:txBody>
+                        <a:bodyPr/>
+                        <a:lstStyle/>
+                        <a:p>
+                          <a:pPr marL="0" marR="0" lvl="0" indent="0" algn="ctr" defTabSz="914400" rtl="0" eaLnBrk="1" fontAlgn="auto" latinLnBrk="0" hangingPunct="1">
+                            <a:lnSpc>
+                              <a:spcPct val="100000"/>
+                            </a:lnSpc>
+                            <a:spcBef>
+                              <a:spcPts val="0"/>
+                            </a:spcBef>
+                            <a:spcAft>
+                              <a:spcPts val="0"/>
+                            </a:spcAft>
+                            <a:buClrTx/>
+                            <a:buSzTx/>
+                            <a:buFontTx/>
+                            <a:buNone/>
+                            <a:tabLst/>
+                            <a:defRPr/>
+                          </a:pPr>
+                          <a14:m>
+                            <m:oMath xmlns:m="http://schemas.openxmlformats.org/officeDocument/2006/math">
+                              <m:r>
+                                <a:rPr lang="en-US" sz="2400" b="1" i="1" smtClean="0">
+                                  <a:latin typeface="Cambria Math" panose="02040503050406030204" pitchFamily="18" charset="0"/>
+                                </a:rPr>
+                                <m:t>&gt;</m:t>
+                              </m:r>
+                            </m:oMath>
+                          </a14:m>
+                          <a:r>
+                            <a:rPr lang="en-US" sz="2400" b="1" dirty="0"/>
+                            <a:t> 1 serving/week</a:t>
+                          </a:r>
+                        </a:p>
+                      </a:txBody>
+                      <a:tcPr/>
+                    </a:tc>
+                    <a:tc vMerge="1">
+                      <a:txBody>
+                        <a:bodyPr/>
+                        <a:lstStyle/>
+                        <a:p>
+                          <a:r>
+                            <a:rPr lang="en-US" dirty="0"/>
+                            <a:t>Total</a:t>
+                          </a:r>
+                        </a:p>
+                      </a:txBody>
+                      <a:tcPr/>
+                    </a:tc>
+                    <a:extLst>
+                      <a:ext uri="{0D108BD9-81ED-4DB2-BD59-A6C34878D82A}">
+                        <a16:rowId xmlns:a16="http://schemas.microsoft.com/office/drawing/2014/main" val="2526565548"/>
+                      </a:ext>
+                    </a:extLst>
+                  </a:tr>
+                  <a:tr h="750231">
+                    <a:tc>
+                      <a:txBody>
+                        <a:bodyPr/>
+                        <a:lstStyle/>
+                        <a:p>
+                          <a:pPr marL="0" marR="0" lvl="0" indent="0" algn="ctr" defTabSz="914400" rtl="0" eaLnBrk="1" fontAlgn="auto" latinLnBrk="0" hangingPunct="1">
+                            <a:lnSpc>
+                              <a:spcPct val="100000"/>
+                            </a:lnSpc>
+                            <a:spcBef>
+                              <a:spcPts val="0"/>
+                            </a:spcBef>
+                            <a:spcAft>
+                              <a:spcPts val="0"/>
+                            </a:spcAft>
+                            <a:buClrTx/>
+                            <a:buSzTx/>
+                            <a:buFontTx/>
+                            <a:buNone/>
+                            <a:tabLst/>
+                            <a:defRPr/>
+                          </a:pPr>
+                          <a14:m>
+                            <m:oMath xmlns:m="http://schemas.openxmlformats.org/officeDocument/2006/math">
+                              <m:r>
+                                <a:rPr lang="en-US" sz="2400" b="1" i="1" smtClean="0">
+                                  <a:latin typeface="Cambria Math" panose="02040503050406030204" pitchFamily="18" charset="0"/>
+                                </a:rPr>
+                                <m:t>≤</m:t>
+                              </m:r>
+                            </m:oMath>
+                          </a14:m>
+                          <a:r>
+                            <a:rPr lang="en-US" sz="2400" b="1" dirty="0"/>
+                            <a:t> 1 serving/week</a:t>
+                          </a:r>
+                        </a:p>
+                      </a:txBody>
+                      <a:tcPr anchor="ctr"/>
+                    </a:tc>
+                    <a:tc>
+                      <a:txBody>
+                        <a:bodyPr/>
+                        <a:lstStyle/>
+                        <a:p>
+                          <a:pPr algn="ctr"/>
+                          <a:r>
+                            <a:rPr lang="en-US" sz="3200" dirty="0"/>
+                            <a:t>136</a:t>
+                          </a:r>
+                        </a:p>
+                      </a:txBody>
+                      <a:tcPr anchor="ctr"/>
+                    </a:tc>
+                    <a:tc>
+                      <a:txBody>
+                        <a:bodyPr/>
+                        <a:lstStyle/>
+                        <a:p>
+                          <a:pPr algn="ctr"/>
+                          <a:r>
+                            <a:rPr lang="en-US" sz="3200" dirty="0"/>
+                            <a:t>92</a:t>
+                          </a:r>
+                        </a:p>
+                      </a:txBody>
+                      <a:tcPr anchor="ctr"/>
+                    </a:tc>
+                    <a:tc>
+                      <a:txBody>
+                        <a:bodyPr/>
+                        <a:lstStyle/>
+                        <a:p>
+                          <a:pPr algn="ctr"/>
+                          <a:r>
+                            <a:rPr lang="en-US" sz="3200" dirty="0"/>
+                            <a:t>228</a:t>
+                          </a:r>
+                        </a:p>
+                      </a:txBody>
+                      <a:tcPr anchor="ctr"/>
+                    </a:tc>
+                    <a:extLst>
+                      <a:ext uri="{0D108BD9-81ED-4DB2-BD59-A6C34878D82A}">
+                        <a16:rowId xmlns:a16="http://schemas.microsoft.com/office/drawing/2014/main" val="637034908"/>
+                      </a:ext>
+                    </a:extLst>
+                  </a:tr>
+                  <a:tr h="750231">
+                    <a:tc>
+                      <a:txBody>
+                        <a:bodyPr/>
+                        <a:lstStyle/>
+                        <a:p>
+                          <a:pPr marL="0" marR="0" lvl="0" indent="0" algn="ctr" defTabSz="914400" rtl="0" eaLnBrk="1" fontAlgn="auto" latinLnBrk="0" hangingPunct="1">
+                            <a:lnSpc>
+                              <a:spcPct val="100000"/>
+                            </a:lnSpc>
+                            <a:spcBef>
+                              <a:spcPts val="0"/>
+                            </a:spcBef>
+                            <a:spcAft>
+                              <a:spcPts val="0"/>
+                            </a:spcAft>
+                            <a:buClrTx/>
+                            <a:buSzTx/>
+                            <a:buFontTx/>
+                            <a:buNone/>
+                            <a:tabLst/>
+                            <a:defRPr/>
+                          </a:pPr>
+                          <a14:m>
+                            <m:oMath xmlns:m="http://schemas.openxmlformats.org/officeDocument/2006/math">
+                              <m:r>
+                                <a:rPr lang="en-US" sz="2400" b="1" i="1" smtClean="0">
+                                  <a:latin typeface="Cambria Math" panose="02040503050406030204" pitchFamily="18" charset="0"/>
+                                </a:rPr>
+                                <m:t>&gt;</m:t>
+                              </m:r>
+                            </m:oMath>
+                          </a14:m>
+                          <a:r>
+                            <a:rPr lang="en-US" sz="2400" b="1" dirty="0"/>
+                            <a:t> 1 serving/week</a:t>
+                          </a:r>
+                        </a:p>
+                      </a:txBody>
+                      <a:tcPr anchor="ctr"/>
+                    </a:tc>
+                    <a:tc>
+                      <a:txBody>
+                        <a:bodyPr/>
+                        <a:lstStyle/>
+                        <a:p>
+                          <a:pPr algn="ctr"/>
+                          <a:r>
+                            <a:rPr lang="en-US" sz="3200" dirty="0"/>
+                            <a:t>69</a:t>
+                          </a:r>
+                        </a:p>
+                      </a:txBody>
+                      <a:tcPr anchor="ctr"/>
+                    </a:tc>
+                    <a:tc>
+                      <a:txBody>
+                        <a:bodyPr/>
+                        <a:lstStyle/>
+                        <a:p>
+                          <a:pPr algn="ctr"/>
+                          <a:r>
+                            <a:rPr lang="en-US" sz="3200" dirty="0"/>
+                            <a:t>240</a:t>
+                          </a:r>
+                        </a:p>
+                      </a:txBody>
+                      <a:tcPr anchor="ctr"/>
+                    </a:tc>
+                    <a:tc>
+                      <a:txBody>
+                        <a:bodyPr/>
+                        <a:lstStyle/>
+                        <a:p>
+                          <a:pPr algn="ctr"/>
+                          <a:r>
+                            <a:rPr lang="en-US" sz="3200" dirty="0"/>
+                            <a:t>309</a:t>
+                          </a:r>
+                        </a:p>
+                      </a:txBody>
+                      <a:tcPr anchor="ctr"/>
+                    </a:tc>
+                    <a:extLst>
+                      <a:ext uri="{0D108BD9-81ED-4DB2-BD59-A6C34878D82A}">
+                        <a16:rowId xmlns:a16="http://schemas.microsoft.com/office/drawing/2014/main" val="2619307770"/>
+                      </a:ext>
+                    </a:extLst>
+                  </a:tr>
+                  <a:tr h="750231">
+                    <a:tc>
+                      <a:txBody>
+                        <a:bodyPr/>
+                        <a:lstStyle/>
+                        <a:p>
+                          <a:pPr marL="0" marR="0" lvl="0" indent="0" algn="ctr" defTabSz="914400" rtl="0" eaLnBrk="1" fontAlgn="auto" latinLnBrk="0" hangingPunct="1">
+                            <a:lnSpc>
+                              <a:spcPct val="100000"/>
+                            </a:lnSpc>
+                            <a:spcBef>
+                              <a:spcPts val="0"/>
+                            </a:spcBef>
+                            <a:spcAft>
+                              <a:spcPts val="0"/>
+                            </a:spcAft>
+                            <a:buClrTx/>
+                            <a:buSzTx/>
+                            <a:buFontTx/>
+                            <a:buNone/>
+                            <a:tabLst/>
+                            <a:defRPr/>
+                          </a:pPr>
+                          <a:r>
+                            <a:rPr lang="en-US" sz="2400" b="1" dirty="0"/>
+                            <a:t>Total</a:t>
+                          </a:r>
+                        </a:p>
+                      </a:txBody>
+                      <a:tcPr anchor="ctr"/>
+                    </a:tc>
+                    <a:tc>
+                      <a:txBody>
+                        <a:bodyPr/>
+                        <a:lstStyle/>
+                        <a:p>
+                          <a:pPr algn="ctr"/>
+                          <a:r>
+                            <a:rPr lang="en-US" sz="3200" dirty="0"/>
+                            <a:t>205</a:t>
+                          </a:r>
+                        </a:p>
+                      </a:txBody>
+                      <a:tcPr anchor="ctr"/>
+                    </a:tc>
+                    <a:tc>
+                      <a:txBody>
+                        <a:bodyPr/>
+                        <a:lstStyle/>
+                        <a:p>
+                          <a:pPr algn="ctr"/>
+                          <a:r>
+                            <a:rPr lang="en-US" sz="3200" dirty="0"/>
+                            <a:t>332</a:t>
+                          </a:r>
+                        </a:p>
+                      </a:txBody>
+                      <a:tcPr anchor="ctr"/>
+                    </a:tc>
+                    <a:tc>
+                      <a:txBody>
+                        <a:bodyPr/>
+                        <a:lstStyle/>
+                        <a:p>
+                          <a:pPr algn="ctr"/>
+                          <a:r>
+                            <a:rPr lang="en-US" sz="3200" dirty="0"/>
+                            <a:t>537</a:t>
+                          </a:r>
+                        </a:p>
+                      </a:txBody>
+                      <a:tcPr anchor="ctr"/>
+                    </a:tc>
+                    <a:extLst>
+                      <a:ext uri="{0D108BD9-81ED-4DB2-BD59-A6C34878D82A}">
+                        <a16:rowId xmlns:a16="http://schemas.microsoft.com/office/drawing/2014/main" val="3514661462"/>
+                      </a:ext>
+                    </a:extLst>
+                  </a:tr>
+                </a:tbl>
+              </a:graphicData>
+            </a:graphic>
+          </p:graphicFrame>
+        </mc:Choice>
+        <mc:Fallback>
+          <p:graphicFrame>
+            <p:nvGraphicFramePr>
+              <p:cNvPr id="4" name="Table 8">
+                <a:extLst>
+                  <a:ext uri="{FF2B5EF4-FFF2-40B4-BE49-F238E27FC236}">
+                    <a16:creationId xmlns:a16="http://schemas.microsoft.com/office/drawing/2014/main" id="{7303942C-5767-370C-AEDA-CD8C2D61B912}"/>
+                  </a:ext>
+                </a:extLst>
+              </p:cNvPr>
+              <p:cNvGraphicFramePr>
+                <a:graphicFrameLocks noGrp="1"/>
+              </p:cNvGraphicFramePr>
+              <p:nvPr>
+                <p:extLst>
+                  <p:ext uri="{D42A27DB-BD31-4B8C-83A1-F6EECF244321}">
+                    <p14:modId xmlns:p14="http://schemas.microsoft.com/office/powerpoint/2010/main" val="1935463807"/>
+                  </p:ext>
+                </p:extLst>
+              </p:nvPr>
+            </p:nvGraphicFramePr>
+            <p:xfrm>
+              <a:off x="1143000" y="1027905"/>
+              <a:ext cx="7783287" cy="4067903"/>
+            </p:xfrm>
+            <a:graphic>
+              <a:graphicData uri="http://schemas.openxmlformats.org/drawingml/2006/table">
+                <a:tbl>
+                  <a:tblPr firstRow="1" bandRow="1">
+                    <a:tableStyleId>{5C22544A-7EE6-4342-B048-85BDC9FD1C3A}</a:tableStyleId>
+                  </a:tblPr>
+                  <a:tblGrid>
+                    <a:gridCol w="2122714">
+                      <a:extLst>
+                        <a:ext uri="{9D8B030D-6E8A-4147-A177-3AD203B41FA5}">
+                          <a16:colId xmlns:a16="http://schemas.microsoft.com/office/drawing/2014/main" val="3128744015"/>
+                        </a:ext>
+                      </a:extLst>
+                    </a:gridCol>
+                    <a:gridCol w="2209800">
+                      <a:extLst>
+                        <a:ext uri="{9D8B030D-6E8A-4147-A177-3AD203B41FA5}">
+                          <a16:colId xmlns:a16="http://schemas.microsoft.com/office/drawing/2014/main" val="3011678510"/>
+                        </a:ext>
+                      </a:extLst>
+                    </a:gridCol>
+                    <a:gridCol w="2002972">
+                      <a:extLst>
+                        <a:ext uri="{9D8B030D-6E8A-4147-A177-3AD203B41FA5}">
+                          <a16:colId xmlns:a16="http://schemas.microsoft.com/office/drawing/2014/main" val="4012779034"/>
+                        </a:ext>
+                      </a:extLst>
+                    </a:gridCol>
+                    <a:gridCol w="1447801">
+                      <a:extLst>
+                        <a:ext uri="{9D8B030D-6E8A-4147-A177-3AD203B41FA5}">
+                          <a16:colId xmlns:a16="http://schemas.microsoft.com/office/drawing/2014/main" val="1505141673"/>
+                        </a:ext>
+                      </a:extLst>
+                    </a:gridCol>
+                  </a:tblGrid>
+                  <a:tr h="750231">
+                    <a:tc rowSpan="2">
+                      <a:txBody>
+                        <a:bodyPr/>
+                        <a:lstStyle/>
+                        <a:p>
+                          <a:pPr algn="ctr"/>
+                          <a:r>
+                            <a:rPr lang="en-US" sz="2400" dirty="0"/>
+                            <a:t>Survey 1</a:t>
+                          </a:r>
+                        </a:p>
+                      </a:txBody>
+                      <a:tcPr anchor="ctr"/>
+                    </a:tc>
+                    <a:tc gridSpan="2">
+                      <a:txBody>
+                        <a:bodyPr/>
+                        <a:lstStyle/>
+                        <a:p>
+                          <a:pPr algn="ctr"/>
+                          <a:r>
+                            <a:rPr lang="en-US" sz="2400" dirty="0"/>
+                            <a:t>Survey 2</a:t>
+                          </a:r>
+                        </a:p>
+                      </a:txBody>
+                      <a:tcPr anchor="ctr"/>
+                    </a:tc>
+                    <a:tc hMerge="1">
+                      <a:txBody>
+                        <a:bodyPr/>
+                        <a:lstStyle/>
+                        <a:p>
+                          <a:endParaRPr lang="en-US" dirty="0"/>
+                        </a:p>
+                      </a:txBody>
+                      <a:tcPr/>
+                    </a:tc>
+                    <a:tc rowSpan="2">
+                      <a:txBody>
+                        <a:bodyPr/>
+                        <a:lstStyle/>
+                        <a:p>
+                          <a:pPr algn="ctr"/>
+                          <a:r>
+                            <a:rPr lang="en-US" sz="2400" dirty="0"/>
+                            <a:t>Total</a:t>
+                          </a:r>
+                        </a:p>
+                      </a:txBody>
+                      <a:tcPr anchor="ctr"/>
+                    </a:tc>
+                    <a:extLst>
+                      <a:ext uri="{0D108BD9-81ED-4DB2-BD59-A6C34878D82A}">
+                        <a16:rowId xmlns:a16="http://schemas.microsoft.com/office/drawing/2014/main" val="204679307"/>
+                      </a:ext>
+                    </a:extLst>
+                  </a:tr>
+                  <a:tr h="921521">
+                    <a:tc vMerge="1">
+                      <a:txBody>
+                        <a:bodyPr/>
+                        <a:lstStyle/>
+                        <a:p>
+                          <a:endParaRPr lang="en-US" dirty="0"/>
+                        </a:p>
+                      </a:txBody>
+                      <a:tcPr/>
+                    </a:tc>
+                    <a:tc>
+                      <a:txBody>
+                        <a:bodyPr/>
+                        <a:lstStyle/>
+                        <a:p>
+                          <a:endParaRPr lang="en-US"/>
+                        </a:p>
+                      </a:txBody>
+                      <a:tcPr>
+                        <a:blipFill>
+                          <a:blip r:embed="rId2"/>
+                          <a:stretch>
+                            <a:fillRect l="-96552" t="-80822" r="-158046" b="-271233"/>
+                          </a:stretch>
+                        </a:blipFill>
+                      </a:tcPr>
+                    </a:tc>
+                    <a:tc>
+                      <a:txBody>
+                        <a:bodyPr/>
+                        <a:lstStyle/>
+                        <a:p>
+                          <a:endParaRPr lang="en-US"/>
+                        </a:p>
+                      </a:txBody>
+                      <a:tcPr>
+                        <a:blipFill>
+                          <a:blip r:embed="rId2"/>
+                          <a:stretch>
+                            <a:fillRect l="-216456" t="-80822" r="-74051" b="-271233"/>
+                          </a:stretch>
+                        </a:blipFill>
+                      </a:tcPr>
+                    </a:tc>
+                    <a:tc vMerge="1">
+                      <a:txBody>
+                        <a:bodyPr/>
+                        <a:lstStyle/>
+                        <a:p>
+                          <a:r>
+                            <a:rPr lang="en-US" dirty="0"/>
+                            <a:t>Total</a:t>
+                          </a:r>
+                        </a:p>
+                      </a:txBody>
+                      <a:tcPr/>
+                    </a:tc>
+                    <a:extLst>
+                      <a:ext uri="{0D108BD9-81ED-4DB2-BD59-A6C34878D82A}">
+                        <a16:rowId xmlns:a16="http://schemas.microsoft.com/office/drawing/2014/main" val="2526565548"/>
+                      </a:ext>
+                    </a:extLst>
+                  </a:tr>
+                  <a:tr h="822960">
+                    <a:tc>
+                      <a:txBody>
+                        <a:bodyPr/>
+                        <a:lstStyle/>
+                        <a:p>
+                          <a:endParaRPr lang="en-US"/>
+                        </a:p>
+                      </a:txBody>
+                      <a:tcPr anchor="ctr">
+                        <a:blipFill>
+                          <a:blip r:embed="rId2"/>
+                          <a:stretch>
+                            <a:fillRect l="-599" t="-203077" r="-268862" b="-204615"/>
+                          </a:stretch>
+                        </a:blipFill>
+                      </a:tcPr>
+                    </a:tc>
+                    <a:tc>
+                      <a:txBody>
+                        <a:bodyPr/>
+                        <a:lstStyle/>
+                        <a:p>
+                          <a:pPr algn="ctr"/>
+                          <a:r>
+                            <a:rPr lang="en-US" sz="3200" dirty="0"/>
+                            <a:t>136</a:t>
+                          </a:r>
+                        </a:p>
+                      </a:txBody>
+                      <a:tcPr anchor="ctr"/>
+                    </a:tc>
+                    <a:tc>
+                      <a:txBody>
+                        <a:bodyPr/>
+                        <a:lstStyle/>
+                        <a:p>
+                          <a:pPr algn="ctr"/>
+                          <a:r>
+                            <a:rPr lang="en-US" sz="3200" dirty="0"/>
+                            <a:t>92</a:t>
+                          </a:r>
+                        </a:p>
+                      </a:txBody>
+                      <a:tcPr anchor="ctr"/>
+                    </a:tc>
+                    <a:tc>
+                      <a:txBody>
+                        <a:bodyPr/>
+                        <a:lstStyle/>
+                        <a:p>
+                          <a:pPr algn="ctr"/>
+                          <a:r>
+                            <a:rPr lang="en-US" sz="3200" dirty="0"/>
+                            <a:t>228</a:t>
+                          </a:r>
+                        </a:p>
+                      </a:txBody>
+                      <a:tcPr anchor="ctr"/>
+                    </a:tc>
+                    <a:extLst>
+                      <a:ext uri="{0D108BD9-81ED-4DB2-BD59-A6C34878D82A}">
+                        <a16:rowId xmlns:a16="http://schemas.microsoft.com/office/drawing/2014/main" val="637034908"/>
+                      </a:ext>
+                    </a:extLst>
+                  </a:tr>
+                  <a:tr h="822960">
+                    <a:tc>
+                      <a:txBody>
+                        <a:bodyPr/>
+                        <a:lstStyle/>
+                        <a:p>
+                          <a:endParaRPr lang="en-US"/>
+                        </a:p>
+                      </a:txBody>
+                      <a:tcPr anchor="ctr">
+                        <a:blipFill>
+                          <a:blip r:embed="rId2"/>
+                          <a:stretch>
+                            <a:fillRect l="-599" t="-298485" r="-268862" b="-101515"/>
+                          </a:stretch>
+                        </a:blipFill>
+                      </a:tcPr>
+                    </a:tc>
+                    <a:tc>
+                      <a:txBody>
+                        <a:bodyPr/>
+                        <a:lstStyle/>
+                        <a:p>
+                          <a:pPr algn="ctr"/>
+                          <a:r>
+                            <a:rPr lang="en-US" sz="3200" dirty="0"/>
+                            <a:t>69</a:t>
+                          </a:r>
+                        </a:p>
+                      </a:txBody>
+                      <a:tcPr anchor="ctr"/>
+                    </a:tc>
+                    <a:tc>
+                      <a:txBody>
+                        <a:bodyPr/>
+                        <a:lstStyle/>
+                        <a:p>
+                          <a:pPr algn="ctr"/>
+                          <a:r>
+                            <a:rPr lang="en-US" sz="3200" dirty="0"/>
+                            <a:t>240</a:t>
+                          </a:r>
+                        </a:p>
+                      </a:txBody>
+                      <a:tcPr anchor="ctr"/>
+                    </a:tc>
+                    <a:tc>
+                      <a:txBody>
+                        <a:bodyPr/>
+                        <a:lstStyle/>
+                        <a:p>
+                          <a:pPr algn="ctr"/>
+                          <a:r>
+                            <a:rPr lang="en-US" sz="3200" dirty="0"/>
+                            <a:t>309</a:t>
+                          </a:r>
+                        </a:p>
+                      </a:txBody>
+                      <a:tcPr anchor="ctr"/>
+                    </a:tc>
+                    <a:extLst>
+                      <a:ext uri="{0D108BD9-81ED-4DB2-BD59-A6C34878D82A}">
+                        <a16:rowId xmlns:a16="http://schemas.microsoft.com/office/drawing/2014/main" val="2619307770"/>
+                      </a:ext>
+                    </a:extLst>
+                  </a:tr>
+                  <a:tr h="750231">
+                    <a:tc>
+                      <a:txBody>
+                        <a:bodyPr/>
+                        <a:lstStyle/>
+                        <a:p>
+                          <a:pPr marL="0" marR="0" lvl="0" indent="0" algn="ctr" defTabSz="914400" rtl="0" eaLnBrk="1" fontAlgn="auto" latinLnBrk="0" hangingPunct="1">
+                            <a:lnSpc>
+                              <a:spcPct val="100000"/>
+                            </a:lnSpc>
+                            <a:spcBef>
+                              <a:spcPts val="0"/>
+                            </a:spcBef>
+                            <a:spcAft>
+                              <a:spcPts val="0"/>
+                            </a:spcAft>
+                            <a:buClrTx/>
+                            <a:buSzTx/>
+                            <a:buFontTx/>
+                            <a:buNone/>
+                            <a:tabLst/>
+                            <a:defRPr/>
+                          </a:pPr>
+                          <a:r>
+                            <a:rPr lang="en-US" sz="2400" b="1" dirty="0"/>
+                            <a:t>Total</a:t>
+                          </a:r>
+                        </a:p>
+                      </a:txBody>
+                      <a:tcPr anchor="ctr"/>
+                    </a:tc>
+                    <a:tc>
+                      <a:txBody>
+                        <a:bodyPr/>
+                        <a:lstStyle/>
+                        <a:p>
+                          <a:pPr algn="ctr"/>
+                          <a:r>
+                            <a:rPr lang="en-US" sz="3200" dirty="0"/>
+                            <a:t>205</a:t>
+                          </a:r>
+                        </a:p>
+                      </a:txBody>
+                      <a:tcPr anchor="ctr"/>
+                    </a:tc>
+                    <a:tc>
+                      <a:txBody>
+                        <a:bodyPr/>
+                        <a:lstStyle/>
+                        <a:p>
+                          <a:pPr algn="ctr"/>
+                          <a:r>
+                            <a:rPr lang="en-US" sz="3200" dirty="0"/>
+                            <a:t>332</a:t>
+                          </a:r>
+                        </a:p>
+                      </a:txBody>
+                      <a:tcPr anchor="ctr"/>
+                    </a:tc>
+                    <a:tc>
+                      <a:txBody>
+                        <a:bodyPr/>
+                        <a:lstStyle/>
+                        <a:p>
+                          <a:pPr algn="ctr"/>
+                          <a:r>
+                            <a:rPr lang="en-US" sz="3200" dirty="0"/>
+                            <a:t>537</a:t>
+                          </a:r>
+                        </a:p>
+                      </a:txBody>
+                      <a:tcPr anchor="ctr"/>
+                    </a:tc>
+                    <a:extLst>
+                      <a:ext uri="{0D108BD9-81ED-4DB2-BD59-A6C34878D82A}">
+                        <a16:rowId xmlns:a16="http://schemas.microsoft.com/office/drawing/2014/main" val="3514661462"/>
+                      </a:ext>
+                    </a:extLst>
+                  </a:tr>
+                </a:tbl>
+              </a:graphicData>
+            </a:graphic>
+          </p:graphicFrame>
+        </mc:Fallback>
+      </mc:AlternateContent>
+    </p:spTree>
+    <p:extLst>
+      <p:ext uri="{BB962C8B-B14F-4D97-AF65-F5344CB8AC3E}">
+        <p14:creationId xmlns:p14="http://schemas.microsoft.com/office/powerpoint/2010/main" val="3885680478"/>
+      </p:ext>
+    </p:extLst>
+  </p:cSld>
+  <p:clrMapOvr>
+    <a:masterClrMapping/>
+  </p:clrMapOvr>
+</p:sld>
+</file>
+
+<file path=ppt/slides/slide4.xml><?xml version="1.0" encoding="utf-8"?>
+<p:sld xmlns:a="http://schemas.openxmlformats.org/drawingml/2006/main" xmlns:r="http://schemas.openxmlformats.org/officeDocument/2006/relationships" xmlns:p="http://schemas.openxmlformats.org/presentationml/2006/main">
+  <p:cSld>
+    <p:spTree>
+      <p:nvGrpSpPr>
+        <p:cNvPr id="1" name=""/>
+        <p:cNvGrpSpPr/>
+        <p:nvPr/>
+      </p:nvGrpSpPr>
+      <p:grpSpPr>
+        <a:xfrm>
+          <a:off x="0" y="0"/>
+          <a:ext cx="0" cy="0"/>
+          <a:chOff x="0" y="0"/>
+          <a:chExt cx="0" cy="0"/>
+        </a:xfrm>
+      </p:grpSpPr>
+      <p:sp>
+        <p:nvSpPr>
+          <p:cNvPr id="2" name="Title 1">
+            <a:extLst>
+              <a:ext uri="{FF2B5EF4-FFF2-40B4-BE49-F238E27FC236}">
+                <a16:creationId xmlns:a16="http://schemas.microsoft.com/office/drawing/2014/main" id="{02182BBC-648D-BB2D-8513-297695003388}"/>
+              </a:ext>
+            </a:extLst>
+          </p:cNvPr>
+          <p:cNvSpPr>
+            <a:spLocks noGrp="1"/>
+          </p:cNvSpPr>
+          <p:nvPr>
+            <p:ph type="title"/>
+          </p:nvPr>
+        </p:nvSpPr>
+        <p:spPr/>
+        <p:txBody>
+          <a:bodyPr/>
+          <a:lstStyle/>
+          <a:p>
+            <a:endParaRPr lang="en-US"/>
+          </a:p>
+        </p:txBody>
+      </p:sp>
+      <p:sp>
+        <p:nvSpPr>
+          <p:cNvPr id="3" name="Content Placeholder 2">
+            <a:extLst>
+              <a:ext uri="{FF2B5EF4-FFF2-40B4-BE49-F238E27FC236}">
+                <a16:creationId xmlns:a16="http://schemas.microsoft.com/office/drawing/2014/main" id="{F6435EA6-576D-0319-0CF0-301A22583F1F}"/>
+              </a:ext>
+            </a:extLst>
+          </p:cNvPr>
+          <p:cNvSpPr>
+            <a:spLocks noGrp="1"/>
+          </p:cNvSpPr>
+          <p:nvPr>
+            <p:ph idx="1"/>
+          </p:nvPr>
+        </p:nvSpPr>
+        <p:spPr/>
+        <p:txBody>
+          <a:bodyPr/>
+          <a:lstStyle/>
+          <a:p>
+            <a:endParaRPr lang="en-US"/>
+          </a:p>
+        </p:txBody>
+      </p:sp>
+      <p:graphicFrame>
+        <p:nvGraphicFramePr>
+          <p:cNvPr id="4" name="Table 5">
+            <a:extLst>
+              <a:ext uri="{FF2B5EF4-FFF2-40B4-BE49-F238E27FC236}">
+                <a16:creationId xmlns:a16="http://schemas.microsoft.com/office/drawing/2014/main" id="{C04FFB06-05F3-A26A-A48B-6284D59107C2}"/>
+              </a:ext>
+            </a:extLst>
+          </p:cNvPr>
+          <p:cNvGraphicFramePr>
+            <a:graphicFrameLocks noGrp="1"/>
+          </p:cNvGraphicFramePr>
+          <p:nvPr>
+            <p:extLst>
+              <p:ext uri="{D42A27DB-BD31-4B8C-83A1-F6EECF244321}">
+                <p14:modId xmlns:p14="http://schemas.microsoft.com/office/powerpoint/2010/main" val="2561104448"/>
+              </p:ext>
+            </p:extLst>
+          </p:nvPr>
+        </p:nvGraphicFramePr>
+        <p:xfrm>
+          <a:off x="0" y="486346"/>
+          <a:ext cx="11843657" cy="5573967"/>
+        </p:xfrm>
+        <a:graphic>
+          <a:graphicData uri="http://schemas.openxmlformats.org/drawingml/2006/table">
+            <a:tbl>
+              <a:tblPr firstRow="1" bandRow="1">
+                <a:tableStyleId>{7DF18680-E054-41AD-8BC1-D1AEF772440D}</a:tableStyleId>
+              </a:tblPr>
+              <a:tblGrid>
+                <a:gridCol w="2808514">
+                  <a:extLst>
+                    <a:ext uri="{9D8B030D-6E8A-4147-A177-3AD203B41FA5}">
+                      <a16:colId xmlns:a16="http://schemas.microsoft.com/office/drawing/2014/main" val="1435345681"/>
+                    </a:ext>
+                  </a:extLst>
+                </a:gridCol>
+                <a:gridCol w="9035143">
+                  <a:extLst>
+                    <a:ext uri="{9D8B030D-6E8A-4147-A177-3AD203B41FA5}">
+                      <a16:colId xmlns:a16="http://schemas.microsoft.com/office/drawing/2014/main" val="3701284272"/>
+                    </a:ext>
+                  </a:extLst>
+                </a:gridCol>
+              </a:tblGrid>
+              <a:tr h="370840">
+                <a:tc>
+                  <a:txBody>
+                    <a:bodyPr/>
+                    <a:lstStyle/>
+                    <a:p>
+                      <a:r>
+                        <a:rPr lang="en-US" sz="2800" dirty="0">
+                          <a:solidFill>
+                            <a:schemeClr val="tx1"/>
+                          </a:solidFill>
+                        </a:rPr>
+                        <a:t>Measurement</a:t>
+                      </a:r>
+                    </a:p>
+                  </a:txBody>
+                  <a:tcPr/>
+                </a:tc>
+                <a:tc>
+                  <a:txBody>
+                    <a:bodyPr/>
+                    <a:lstStyle/>
+                    <a:p>
+                      <a:r>
+                        <a:rPr lang="en-US" sz="2800" dirty="0">
+                          <a:solidFill>
+                            <a:schemeClr val="tx1"/>
+                          </a:solidFill>
+                        </a:rPr>
+                        <a:t>Pros and Cons</a:t>
+                      </a:r>
+                    </a:p>
+                  </a:txBody>
+                  <a:tcPr/>
+                </a:tc>
+                <a:extLst>
+                  <a:ext uri="{0D108BD9-81ED-4DB2-BD59-A6C34878D82A}">
+                    <a16:rowId xmlns:a16="http://schemas.microsoft.com/office/drawing/2014/main" val="2056188904"/>
+                  </a:ext>
+                </a:extLst>
+              </a:tr>
+              <a:tr h="370840">
+                <a:tc>
+                  <a:txBody>
+                    <a:bodyPr/>
+                    <a:lstStyle/>
+                    <a:p>
+                      <a:r>
+                        <a:rPr lang="en-US" sz="2800" dirty="0"/>
+                        <a:t>Risk difference</a:t>
+                      </a:r>
+                    </a:p>
+                  </a:txBody>
+                  <a:tcPr/>
+                </a:tc>
+                <a:tc>
+                  <a:txBody>
+                    <a:bodyPr/>
+                    <a:lstStyle/>
+                    <a:p>
+                      <a:pPr marL="285750" indent="-285750">
+                        <a:lnSpc>
+                          <a:spcPct val="114000"/>
+                        </a:lnSpc>
+                        <a:buFont typeface="Arial" panose="020B0604020202020204" pitchFamily="34" charset="0"/>
+                        <a:buChar char="•"/>
+                      </a:pPr>
+                      <a:r>
+                        <a:rPr lang="en-US" sz="2800" dirty="0"/>
+                        <a:t>Can provide additional information, but can be misleading on its own</a:t>
+                      </a:r>
+                    </a:p>
+                    <a:p>
+                      <a:pPr marL="285750" marR="0" lvl="0" indent="-285750" algn="l" defTabSz="914400" rtl="0" eaLnBrk="1" fontAlgn="auto" latinLnBrk="0" hangingPunct="1">
+                        <a:lnSpc>
+                          <a:spcPct val="114000"/>
+                        </a:lnSpc>
+                        <a:spcBef>
+                          <a:spcPts val="0"/>
+                        </a:spcBef>
+                        <a:spcAft>
+                          <a:spcPts val="0"/>
+                        </a:spcAft>
+                        <a:buClrTx/>
+                        <a:buSzTx/>
+                        <a:buFont typeface="Arial" panose="020B0604020202020204" pitchFamily="34" charset="0"/>
+                        <a:buChar char="•"/>
+                        <a:tabLst/>
+                        <a:defRPr/>
+                      </a:pPr>
+                      <a:r>
+                        <a:rPr lang="en-US" sz="2800" dirty="0"/>
+                        <a:t>Not the preferred measurement </a:t>
+                      </a:r>
+                    </a:p>
+                  </a:txBody>
+                  <a:tcPr/>
+                </a:tc>
+                <a:extLst>
+                  <a:ext uri="{0D108BD9-81ED-4DB2-BD59-A6C34878D82A}">
+                    <a16:rowId xmlns:a16="http://schemas.microsoft.com/office/drawing/2014/main" val="3659201100"/>
+                  </a:ext>
+                </a:extLst>
+              </a:tr>
+              <a:tr h="370840">
+                <a:tc>
+                  <a:txBody>
+                    <a:bodyPr/>
+                    <a:lstStyle/>
+                    <a:p>
+                      <a:r>
+                        <a:rPr lang="en-US" sz="2800" dirty="0"/>
+                        <a:t>Risk ratio</a:t>
+                      </a:r>
+                    </a:p>
+                  </a:txBody>
+                  <a:tcPr/>
+                </a:tc>
+                <a:tc>
+                  <a:txBody>
+                    <a:bodyPr/>
+                    <a:lstStyle/>
+                    <a:p>
+                      <a:pPr marL="285750" indent="-285750">
+                        <a:lnSpc>
+                          <a:spcPct val="114000"/>
+                        </a:lnSpc>
+                        <a:buFont typeface="Arial" panose="020B0604020202020204" pitchFamily="34" charset="0"/>
+                        <a:buChar char="•"/>
+                      </a:pPr>
+                      <a:r>
+                        <a:rPr lang="en-US" sz="2800" dirty="0"/>
+                        <a:t>Easy to interpret because is a ratio of probabilities</a:t>
+                      </a:r>
+                    </a:p>
+                    <a:p>
+                      <a:pPr marL="285750" indent="-285750">
+                        <a:lnSpc>
+                          <a:spcPct val="114000"/>
+                        </a:lnSpc>
+                        <a:buFont typeface="Arial" panose="020B0604020202020204" pitchFamily="34" charset="0"/>
+                        <a:buChar char="•"/>
+                      </a:pPr>
+                      <a:r>
+                        <a:rPr lang="en-US" sz="2800" dirty="0"/>
+                        <a:t>Cannot use in retrospective, case-control studies</a:t>
+                      </a:r>
+                    </a:p>
+                  </a:txBody>
+                  <a:tcPr/>
+                </a:tc>
+                <a:extLst>
+                  <a:ext uri="{0D108BD9-81ED-4DB2-BD59-A6C34878D82A}">
+                    <a16:rowId xmlns:a16="http://schemas.microsoft.com/office/drawing/2014/main" val="3872160924"/>
+                  </a:ext>
+                </a:extLst>
+              </a:tr>
+              <a:tr h="370840">
+                <a:tc>
+                  <a:txBody>
+                    <a:bodyPr/>
+                    <a:lstStyle/>
+                    <a:p>
+                      <a:r>
+                        <a:rPr lang="en-US" sz="2800" dirty="0"/>
+                        <a:t>Odds ratio</a:t>
+                      </a:r>
+                    </a:p>
+                  </a:txBody>
+                  <a:tcPr/>
+                </a:tc>
+                <a:tc>
+                  <a:txBody>
+                    <a:bodyPr/>
+                    <a:lstStyle/>
+                    <a:p>
+                      <a:pPr marL="285750" indent="-285750">
+                        <a:lnSpc>
+                          <a:spcPct val="114000"/>
+                        </a:lnSpc>
+                        <a:buFont typeface="Arial" panose="020B0604020202020204" pitchFamily="34" charset="0"/>
+                        <a:buChar char="•"/>
+                      </a:pPr>
+                      <a:r>
+                        <a:rPr lang="en-US" sz="2800" dirty="0"/>
+                        <a:t>Adequate for all studies</a:t>
+                      </a:r>
+                    </a:p>
+                    <a:p>
+                      <a:pPr marL="285750" indent="-285750">
+                        <a:lnSpc>
+                          <a:spcPct val="114000"/>
+                        </a:lnSpc>
+                        <a:buFont typeface="Arial" panose="020B0604020202020204" pitchFamily="34" charset="0"/>
+                        <a:buChar char="•"/>
+                      </a:pPr>
+                      <a:r>
+                        <a:rPr lang="en-US" sz="2800" dirty="0"/>
+                        <a:t>Good estimate of RR for rare diseases</a:t>
+                      </a:r>
+                    </a:p>
+                    <a:p>
+                      <a:pPr marL="285750" indent="-285750">
+                        <a:lnSpc>
+                          <a:spcPct val="114000"/>
+                        </a:lnSpc>
+                        <a:buFont typeface="Arial" panose="020B0604020202020204" pitchFamily="34" charset="0"/>
+                        <a:buChar char="•"/>
+                      </a:pPr>
+                      <a:r>
+                        <a:rPr lang="en-US" sz="2800" dirty="0"/>
+                        <a:t>Not as easy to interpret or translate to clinical setting as RR</a:t>
+                      </a:r>
+                    </a:p>
+                    <a:p>
+                      <a:pPr marL="285750" indent="-285750">
+                        <a:lnSpc>
+                          <a:spcPct val="114000"/>
+                        </a:lnSpc>
+                        <a:buFont typeface="Arial" panose="020B0604020202020204" pitchFamily="34" charset="0"/>
+                        <a:buChar char="•"/>
+                      </a:pPr>
+                      <a:r>
+                        <a:rPr lang="en-US" sz="2800" b="1" dirty="0"/>
+                        <a:t>Most preferred by statisticians because integrated into logistic regression</a:t>
+                      </a:r>
+                    </a:p>
+                  </a:txBody>
+                  <a:tcPr/>
+                </a:tc>
+                <a:extLst>
+                  <a:ext uri="{0D108BD9-81ED-4DB2-BD59-A6C34878D82A}">
+                    <a16:rowId xmlns:a16="http://schemas.microsoft.com/office/drawing/2014/main" val="787648500"/>
+                  </a:ext>
+                </a:extLst>
+              </a:tr>
+            </a:tbl>
+          </a:graphicData>
+        </a:graphic>
+      </p:graphicFrame>
+    </p:spTree>
+    <p:extLst>
+      <p:ext uri="{BB962C8B-B14F-4D97-AF65-F5344CB8AC3E}">
+        <p14:creationId xmlns:p14="http://schemas.microsoft.com/office/powerpoint/2010/main" val="509836573"/>
+      </p:ext>
+    </p:extLst>
+  </p:cSld>
+  <p:clrMapOvr>
+    <a:masterClrMapping/>
+  </p:clrMapOvr>
+</p:sld>
+</file>
+
 <file path=ppt/theme/theme1.xml><?xml version="1.0" encoding="utf-8"?>
 <a:theme xmlns:a="http://schemas.openxmlformats.org/drawingml/2006/main" name="Office Theme">
   <a:themeElements>
